--- a/Presentation-1-.pptx
+++ b/Presentation-1-.pptx
@@ -5,19 +5,20 @@
     <p:sldMasterId id="2147483648" r:id="rId1"/>
   </p:sldMasterIdLst>
   <p:notesMasterIdLst>
-    <p:notesMasterId r:id="rId12"/>
+    <p:notesMasterId r:id="rId13"/>
   </p:notesMasterIdLst>
   <p:sldIdLst>
     <p:sldId id="256" r:id="rId2"/>
     <p:sldId id="257" r:id="rId3"/>
     <p:sldId id="258" r:id="rId4"/>
     <p:sldId id="260" r:id="rId5"/>
-    <p:sldId id="264" r:id="rId6"/>
+    <p:sldId id="267" r:id="rId6"/>
     <p:sldId id="262" r:id="rId7"/>
-    <p:sldId id="263" r:id="rId8"/>
-    <p:sldId id="265" r:id="rId9"/>
-    <p:sldId id="266" r:id="rId10"/>
-    <p:sldId id="259" r:id="rId11"/>
+    <p:sldId id="264" r:id="rId8"/>
+    <p:sldId id="263" r:id="rId9"/>
+    <p:sldId id="265" r:id="rId10"/>
+    <p:sldId id="266" r:id="rId11"/>
+    <p:sldId id="259" r:id="rId12"/>
   </p:sldIdLst>
   <p:sldSz cx="12192000" cy="6858000"/>
   <p:notesSz cx="6858000" cy="9144000"/>
@@ -116,6 +117,11 @@
       </a:defRPr>
     </a:lvl9pPr>
   </p:defaultTextStyle>
+  <p:extLst>
+    <p:ext uri="{EFAFB233-063F-42B5-8137-9DF3F51BA10A}">
+      <p15:sldGuideLst xmlns:p15="http://schemas.microsoft.com/office/powerpoint/2012/main"/>
+    </p:ext>
+  </p:extLst>
 </p:presentation>
 </file>
 
@@ -4055,6 +4061,119 @@
           <p:cNvPr id="2" name="Title 1">
             <a:extLst>
               <a:ext uri="{FF2B5EF4-FFF2-40B4-BE49-F238E27FC236}">
+                <a16:creationId xmlns:a16="http://schemas.microsoft.com/office/drawing/2014/main" id="{6F88DA84-D437-4810-B76C-7A246859771F}"/>
+              </a:ext>
+            </a:extLst>
+          </p:cNvPr>
+          <p:cNvSpPr>
+            <a:spLocks noGrp="1"/>
+          </p:cNvSpPr>
+          <p:nvPr>
+            <p:ph type="title"/>
+          </p:nvPr>
+        </p:nvSpPr>
+        <p:spPr/>
+        <p:txBody>
+          <a:bodyPr>
+            <a:normAutofit/>
+          </a:bodyPr>
+          <a:lstStyle/>
+          <a:p>
+            <a:r>
+              <a:rPr lang="en-US" sz="3200" dirty="0"/>
+              <a:t>Accuracy in the current training</a:t>
+            </a:r>
+          </a:p>
+        </p:txBody>
+      </p:sp>
+      <p:sp>
+        <p:nvSpPr>
+          <p:cNvPr id="3" name="Content Placeholder 2">
+            <a:extLst>
+              <a:ext uri="{FF2B5EF4-FFF2-40B4-BE49-F238E27FC236}">
+                <a16:creationId xmlns:a16="http://schemas.microsoft.com/office/drawing/2014/main" id="{C40DAD32-F261-4EE7-B385-81374573E271}"/>
+              </a:ext>
+            </a:extLst>
+          </p:cNvPr>
+          <p:cNvSpPr>
+            <a:spLocks noGrp="1"/>
+          </p:cNvSpPr>
+          <p:nvPr>
+            <p:ph idx="1"/>
+          </p:nvPr>
+        </p:nvSpPr>
+        <p:spPr/>
+        <p:txBody>
+          <a:bodyPr/>
+          <a:lstStyle/>
+          <a:p>
+            <a:endParaRPr lang="en-US"/>
+          </a:p>
+        </p:txBody>
+      </p:sp>
+      <p:pic>
+        <p:nvPicPr>
+          <p:cNvPr id="5" name="Picture 4">
+            <a:extLst>
+              <a:ext uri="{FF2B5EF4-FFF2-40B4-BE49-F238E27FC236}">
+                <a16:creationId xmlns:a16="http://schemas.microsoft.com/office/drawing/2014/main" id="{2881BF97-8627-4A42-AB15-754A970FB4EF}"/>
+              </a:ext>
+            </a:extLst>
+          </p:cNvPr>
+          <p:cNvPicPr/>
+          <p:nvPr/>
+        </p:nvPicPr>
+        <p:blipFill>
+          <a:blip r:embed="rId2"/>
+          <a:stretch>
+            <a:fillRect/>
+          </a:stretch>
+        </p:blipFill>
+        <p:spPr>
+          <a:xfrm>
+            <a:off x="838200" y="2082959"/>
+            <a:ext cx="10515600" cy="3867898"/>
+          </a:xfrm>
+          <a:prstGeom prst="rect">
+            <a:avLst/>
+          </a:prstGeom>
+        </p:spPr>
+      </p:pic>
+    </p:spTree>
+    <p:extLst>
+      <p:ext uri="{BB962C8B-B14F-4D97-AF65-F5344CB8AC3E}">
+        <p14:creationId xmlns:p14="http://schemas.microsoft.com/office/powerpoint/2010/main" val="135178148"/>
+      </p:ext>
+    </p:extLst>
+  </p:cSld>
+  <p:clrMapOvr>
+    <a:masterClrMapping/>
+  </p:clrMapOvr>
+</p:sld>
+</file>
+
+<file path=ppt/slides/slide11.xml><?xml version="1.0" encoding="utf-8"?>
+<p:sld xmlns:a="http://schemas.openxmlformats.org/drawingml/2006/main" xmlns:r="http://schemas.openxmlformats.org/officeDocument/2006/relationships" xmlns:p="http://schemas.openxmlformats.org/presentationml/2006/main">
+  <p:cSld>
+    <p:spTree>
+      <p:nvGrpSpPr>
+        <p:cNvPr id="1" name=""/>
+        <p:cNvGrpSpPr/>
+        <p:nvPr/>
+      </p:nvGrpSpPr>
+      <p:grpSpPr>
+        <a:xfrm>
+          <a:off x="0" y="0"/>
+          <a:ext cx="0" cy="0"/>
+          <a:chOff x="0" y="0"/>
+          <a:chExt cx="0" cy="0"/>
+        </a:xfrm>
+      </p:grpSpPr>
+      <p:sp>
+        <p:nvSpPr>
+          <p:cNvPr id="2" name="Title 1">
+            <a:extLst>
+              <a:ext uri="{FF2B5EF4-FFF2-40B4-BE49-F238E27FC236}">
                 <a16:creationId xmlns:a16="http://schemas.microsoft.com/office/drawing/2014/main" id="{E3600C0E-E5F8-481A-9C9D-7054F4EF8022}"/>
               </a:ext>
             </a:extLst>
@@ -4379,13 +4498,13 @@
         </p:spPr>
         <p:txBody>
           <a:bodyPr>
-            <a:normAutofit/>
+            <a:normAutofit lnSpcReduction="10000"/>
           </a:bodyPr>
           <a:lstStyle/>
           <a:p>
             <a:r>
               <a:rPr lang="en-US" sz="2400" dirty="0"/>
-              <a:t>Most popular playlists in Spotify</a:t>
+              <a:t>Songs in featured Spotify</a:t>
             </a:r>
             <a:r>
               <a:rPr lang="en-US" sz="2400" baseline="30000" dirty="0"/>
@@ -4393,13 +4512,34 @@
             </a:r>
             <a:r>
               <a:rPr lang="en-US" sz="2400" dirty="0"/>
-              <a:t> for 12 countries in a month in the last 19 years.</a:t>
+              <a:t> playlists</a:t>
+            </a:r>
+          </a:p>
+          <a:p>
+            <a:pPr lvl="1"/>
+            <a:r>
+              <a:rPr lang="en-US" sz="2000" dirty="0"/>
+              <a:t>12 countries </a:t>
+            </a:r>
+          </a:p>
+          <a:p>
+            <a:pPr lvl="2"/>
+            <a:r>
+              <a:rPr lang="en-US" sz="1600" dirty="0"/>
+              <a:t>2 countries with most unique tracks on each continent</a:t>
+            </a:r>
+          </a:p>
+          <a:p>
+            <a:pPr lvl="1"/>
+            <a:r>
+              <a:rPr lang="en-US" sz="2000" dirty="0"/>
+              <a:t>Sampled monthly over 19 years</a:t>
             </a:r>
           </a:p>
           <a:p>
             <a:r>
               <a:rPr lang="en-US" sz="2400" dirty="0"/>
-              <a:t>Songs appearing in playlists of multiple countries are discarded.</a:t>
+              <a:t>Songs appearing in playlists of multiple countries are discarded</a:t>
             </a:r>
           </a:p>
           <a:p>
@@ -4409,8 +4549,9 @@
             </a:r>
           </a:p>
           <a:p>
-            <a:r>
-              <a:rPr lang="en-US" sz="2400" dirty="0"/>
+            <a:pPr lvl="1"/>
+            <a:r>
+              <a:rPr lang="en-US" sz="2000" dirty="0"/>
               <a:t>Limitation: Some playlists are generated by Spotify and it is likely that they use the same features to curate the lists.</a:t>
             </a:r>
           </a:p>
@@ -4547,10 +4688,10 @@
       </p:sp>
       <p:pic>
         <p:nvPicPr>
-          <p:cNvPr id="5" name="Picture 4">
-            <a:extLst>
-              <a:ext uri="{FF2B5EF4-FFF2-40B4-BE49-F238E27FC236}">
-                <a16:creationId xmlns:a16="http://schemas.microsoft.com/office/drawing/2014/main" id="{0A3212BA-90AB-487F-9F45-770E83AB59E1}"/>
+          <p:cNvPr id="3" name="Picture 2">
+            <a:extLst>
+              <a:ext uri="{FF2B5EF4-FFF2-40B4-BE49-F238E27FC236}">
+                <a16:creationId xmlns:a16="http://schemas.microsoft.com/office/drawing/2014/main" id="{D1A4557B-74D4-4289-A9D1-B73AA44F677D}"/>
               </a:ext>
             </a:extLst>
           </p:cNvPr>
@@ -4567,8 +4708,8 @@
         </p:blipFill>
         <p:spPr>
           <a:xfrm>
-            <a:off x="3743551" y="1604961"/>
-            <a:ext cx="5168867" cy="4572000"/>
+            <a:off x="3650595" y="1690688"/>
+            <a:ext cx="4890809" cy="4314063"/>
           </a:xfrm>
           <a:prstGeom prst="rect">
             <a:avLst/>
@@ -4610,7 +4751,7 @@
           <p:cNvPr id="2" name="Title 1">
             <a:extLst>
               <a:ext uri="{FF2B5EF4-FFF2-40B4-BE49-F238E27FC236}">
-                <a16:creationId xmlns:a16="http://schemas.microsoft.com/office/drawing/2014/main" id="{CD60E025-F358-422D-8034-4CB385E7F9B1}"/>
+                <a16:creationId xmlns:a16="http://schemas.microsoft.com/office/drawing/2014/main" id="{191BBFF1-F5EE-43E3-A0A6-721EA583959C}"/>
               </a:ext>
             </a:extLst>
           </p:cNvPr>
@@ -4621,12 +4762,35 @@
             <p:ph type="title"/>
           </p:nvPr>
         </p:nvSpPr>
-        <p:spPr>
-          <a:xfrm>
-            <a:off x="838200" y="365125"/>
-            <a:ext cx="10515600" cy="1325563"/>
-          </a:xfrm>
-        </p:spPr>
+        <p:spPr/>
+        <p:txBody>
+          <a:bodyPr/>
+          <a:lstStyle/>
+          <a:p>
+            <a:r>
+              <a:rPr lang="en-US" dirty="0"/>
+              <a:t>Sampling</a:t>
+            </a:r>
+          </a:p>
+        </p:txBody>
+      </p:sp>
+      <p:sp>
+        <p:nvSpPr>
+          <p:cNvPr id="3" name="Content Placeholder 2">
+            <a:extLst>
+              <a:ext uri="{FF2B5EF4-FFF2-40B4-BE49-F238E27FC236}">
+                <a16:creationId xmlns:a16="http://schemas.microsoft.com/office/drawing/2014/main" id="{981AEC5C-60FC-4880-B3AF-781FB21047F4}"/>
+              </a:ext>
+            </a:extLst>
+          </p:cNvPr>
+          <p:cNvSpPr>
+            <a:spLocks noGrp="1"/>
+          </p:cNvSpPr>
+          <p:nvPr>
+            <p:ph idx="1"/>
+          </p:nvPr>
+        </p:nvSpPr>
+        <p:spPr/>
         <p:txBody>
           <a:bodyPr>
             <a:normAutofit/>
@@ -4634,158 +4798,85 @@
           <a:lstStyle/>
           <a:p>
             <a:r>
-              <a:rPr lang="en-US" sz="3600" dirty="0"/>
-              <a:t>Sequential Learning</a:t>
-            </a:r>
-          </a:p>
-        </p:txBody>
-      </p:sp>
-      <p:sp>
-        <p:nvSpPr>
-          <p:cNvPr id="3" name="Content Placeholder 2">
-            <a:extLst>
-              <a:ext uri="{FF2B5EF4-FFF2-40B4-BE49-F238E27FC236}">
-                <a16:creationId xmlns:a16="http://schemas.microsoft.com/office/drawing/2014/main" id="{DF5696C8-465C-4E41-A286-0B82B8E18CA8}"/>
-              </a:ext>
-            </a:extLst>
-          </p:cNvPr>
-          <p:cNvSpPr>
-            <a:spLocks noGrp="1"/>
-          </p:cNvSpPr>
-          <p:nvPr>
-            <p:ph idx="1"/>
-          </p:nvPr>
-        </p:nvSpPr>
-        <p:spPr>
-          <a:xfrm>
-            <a:off x="838199" y="1825625"/>
-            <a:ext cx="6725576" cy="4351338"/>
-          </a:xfrm>
-        </p:spPr>
-        <p:txBody>
-          <a:bodyPr>
-            <a:normAutofit/>
-          </a:bodyPr>
-          <a:lstStyle/>
-          <a:p>
-            <a:pPr lvl="0"/>
-            <a:r>
-              <a:rPr lang="en-US" sz="2400" dirty="0"/>
-              <a:t>Architecture</a:t>
+              <a:rPr lang="en-US" dirty="0"/>
+              <a:t>Features in song</a:t>
             </a:r>
           </a:p>
           <a:p>
             <a:pPr lvl="1"/>
             <a:r>
-              <a:rPr lang="en-US" sz="1900" dirty="0"/>
-              <a:t>Input: 30 seconds, sampled 10 times per second, for a sequence of length 300</a:t>
+              <a:rPr lang="en-US" dirty="0"/>
+              <a:t>“Sample” tracks at 10 samples per seconds by expanding segments</a:t>
+            </a:r>
+          </a:p>
+          <a:p>
+            <a:r>
+              <a:rPr lang="en-US" dirty="0"/>
+              <a:t>From dataset</a:t>
             </a:r>
           </a:p>
           <a:p>
             <a:pPr lvl="1"/>
             <a:r>
-              <a:rPr lang="en-US" sz="1900" dirty="0"/>
-              <a:t>LSTM 1: Vanilla</a:t>
+              <a:rPr lang="en-US" dirty="0"/>
+              <a:t>For each country</a:t>
+            </a:r>
+          </a:p>
+          <a:p>
+            <a:pPr lvl="2"/>
+            <a:r>
+              <a:rPr lang="en-US" dirty="0"/>
+              <a:t>Select 5000 tracks (with replacement) for training</a:t>
+            </a:r>
+          </a:p>
+          <a:p>
+            <a:pPr lvl="2"/>
+            <a:r>
+              <a:rPr lang="en-US" dirty="0"/>
+              <a:t>Select 1000 tracks (with replacement) for validation</a:t>
             </a:r>
           </a:p>
           <a:p>
             <a:pPr lvl="1"/>
             <a:r>
-              <a:rPr lang="en-US" sz="1900" dirty="0"/>
-              <a:t>LSTM 2: Input Dropout: .5, Process sequence backwards</a:t>
+              <a:rPr lang="en-US" dirty="0"/>
+              <a:t>For each track</a:t>
+            </a:r>
+          </a:p>
+          <a:p>
+            <a:pPr lvl="2"/>
+            <a:r>
+              <a:rPr lang="en-US" dirty="0"/>
+              <a:t>Randomly select a starting position</a:t>
+            </a:r>
+          </a:p>
+          <a:p>
+            <a:pPr lvl="2"/>
+            <a:r>
+              <a:rPr lang="en-US" dirty="0"/>
+              <a:t>Construct a 30 second sequence (length 300)</a:t>
             </a:r>
           </a:p>
           <a:p>
             <a:pPr lvl="1"/>
             <a:r>
-              <a:rPr lang="en-US" sz="1900" dirty="0"/>
-              <a:t>LSTM 3: Input Dropout: .5</a:t>
+              <a:rPr lang="en-US" dirty="0"/>
+              <a:t>50,000 – 60,000 training samples</a:t>
             </a:r>
           </a:p>
           <a:p>
             <a:pPr lvl="1"/>
             <a:r>
-              <a:rPr lang="en-US" sz="1900" dirty="0"/>
-              <a:t>Dropout: Drop prob = .5</a:t>
-            </a:r>
-          </a:p>
-          <a:p>
-            <a:pPr lvl="0"/>
-            <a:r>
-              <a:rPr lang="en-US" sz="2400" dirty="0"/>
-              <a:t>Sampling</a:t>
-            </a:r>
-          </a:p>
-          <a:p>
-            <a:pPr lvl="1"/>
-            <a:r>
-              <a:rPr lang="en-US" sz="1800" dirty="0"/>
-              <a:t>Pick n = 5000 tracks per country with replacement</a:t>
-            </a:r>
-          </a:p>
-          <a:p>
-            <a:pPr lvl="1"/>
-            <a:r>
-              <a:rPr lang="en-US" sz="1800" dirty="0"/>
-              <a:t>For each track</a:t>
-            </a:r>
-          </a:p>
-          <a:p>
-            <a:pPr lvl="2"/>
-            <a:r>
-              <a:rPr lang="en-US" sz="1600" dirty="0"/>
-              <a:t>randomly select a starting position</a:t>
-            </a:r>
-          </a:p>
-          <a:p>
-            <a:pPr lvl="2"/>
-            <a:r>
-              <a:rPr lang="en-US" sz="1600" dirty="0"/>
-              <a:t>construct a 30 second sequence from initial position</a:t>
-            </a:r>
-          </a:p>
-        </p:txBody>
-      </p:sp>
-      <p:pic>
-        <p:nvPicPr>
-          <p:cNvPr id="9" name="Picture 8" descr="A screenshot of a cell phone&#10;&#10;Description automatically generated">
-            <a:extLst>
-              <a:ext uri="{FF2B5EF4-FFF2-40B4-BE49-F238E27FC236}">
-                <a16:creationId xmlns:a16="http://schemas.microsoft.com/office/drawing/2014/main" id="{57C9F192-C964-4A55-9FDA-0FAE11FDF9AD}"/>
-              </a:ext>
-            </a:extLst>
-          </p:cNvPr>
-          <p:cNvPicPr>
-            <a:picLocks noChangeAspect="1"/>
-          </p:cNvPicPr>
-          <p:nvPr/>
-        </p:nvPicPr>
-        <p:blipFill>
-          <a:blip r:embed="rId2">
-            <a:extLst>
-              <a:ext uri="{28A0092B-C50C-407E-A947-70E740481C1C}">
-                <a14:useLocalDpi xmlns:a14="http://schemas.microsoft.com/office/drawing/2010/main" val="0"/>
-              </a:ext>
-            </a:extLst>
-          </a:blip>
-          <a:stretch>
-            <a:fillRect/>
-          </a:stretch>
-        </p:blipFill>
-        <p:spPr>
-          <a:xfrm>
-            <a:off x="7657584" y="2260295"/>
-            <a:ext cx="3696216" cy="3829584"/>
-          </a:xfrm>
-          <a:prstGeom prst="rect">
-            <a:avLst/>
-          </a:prstGeom>
-        </p:spPr>
-      </p:pic>
+              <a:rPr lang="en-US" dirty="0"/>
+              <a:t>10,000 - 12,000 validation samples</a:t>
+            </a:r>
+          </a:p>
+        </p:txBody>
+      </p:sp>
     </p:spTree>
     <p:extLst>
       <p:ext uri="{BB962C8B-B14F-4D97-AF65-F5344CB8AC3E}">
-        <p14:creationId xmlns:p14="http://schemas.microsoft.com/office/powerpoint/2010/main" val="218245205"/>
+        <p14:creationId xmlns:p14="http://schemas.microsoft.com/office/powerpoint/2010/main" val="4032658437"/>
       </p:ext>
     </p:extLst>
   </p:cSld>
@@ -4882,37 +4973,27 @@
           <a:p>
             <a:r>
               <a:rPr lang="en-US" sz="2400" dirty="0"/>
-              <a:t>80% Training, 20% Testing, 20% Validation</a:t>
+              <a:t>Batch size of 1024</a:t>
             </a:r>
           </a:p>
           <a:p>
             <a:r>
               <a:rPr lang="en-US" sz="2400" dirty="0"/>
-              <a:t>Iterating over training attempting to get 20% accuracy across 12 categories on validation</a:t>
-            </a:r>
+              <a:t>Attempting to get 20% accuracy across 12 categories on validation</a:t>
+            </a:r>
+          </a:p>
+          <a:p>
+            <a:pPr lvl="1"/>
+            <a:r>
+              <a:rPr lang="en-US" sz="2000" dirty="0"/>
+              <a:t>2.4x chance on balanced (by construction) classes</a:t>
+            </a:r>
+            <a:endParaRPr lang="en-US" sz="2400" dirty="0"/>
           </a:p>
           <a:p>
             <a:r>
               <a:rPr lang="en-US" sz="2400" dirty="0"/>
-              <a:t>Train on 5000 samples from each class for 25 epochs</a:t>
-            </a:r>
-          </a:p>
-          <a:p>
-            <a:r>
-              <a:rPr lang="en-US" sz="2400" dirty="0"/>
-              <a:t>Half learning rate</a:t>
-            </a:r>
-          </a:p>
-          <a:p>
-            <a:r>
-              <a:rPr lang="en-US" sz="2400" dirty="0"/>
-              <a:t>Train on 5000 samples from each class for 25 epochs</a:t>
-            </a:r>
-          </a:p>
-          <a:p>
-            <a:r>
-              <a:rPr lang="en-US" sz="2400" dirty="0"/>
-              <a:t>Half learning rate …</a:t>
+              <a:t>Half learning rate and resample every 25 epochs</a:t>
             </a:r>
           </a:p>
         </p:txBody>
@@ -4963,7 +5044,12 @@
             <p:ph type="title"/>
           </p:nvPr>
         </p:nvSpPr>
-        <p:spPr/>
+        <p:spPr>
+          <a:xfrm>
+            <a:off x="838200" y="365125"/>
+            <a:ext cx="10515600" cy="1325563"/>
+          </a:xfrm>
+        </p:spPr>
         <p:txBody>
           <a:bodyPr>
             <a:normAutofit/>
@@ -4971,8 +5057,8 @@
           <a:lstStyle/>
           <a:p>
             <a:r>
-              <a:rPr lang="en-US" sz="3200" dirty="0"/>
-              <a:t>Evaluation</a:t>
+              <a:rPr lang="en-US" sz="3600" dirty="0"/>
+              <a:t>Architecture</a:t>
             </a:r>
           </a:p>
         </p:txBody>
@@ -4995,8 +5081,8 @@
         </p:nvSpPr>
         <p:spPr>
           <a:xfrm>
-            <a:off x="838198" y="1825625"/>
-            <a:ext cx="10947401" cy="4351338"/>
+            <a:off x="838199" y="1825625"/>
+            <a:ext cx="6725576" cy="4351338"/>
           </a:xfrm>
         </p:spPr>
         <p:txBody>
@@ -5005,63 +5091,97 @@
           </a:bodyPr>
           <a:lstStyle/>
           <a:p>
-            <a:r>
-              <a:rPr lang="en-US" dirty="0"/>
-              <a:t>Validation accuracy across 12 categories</a:t>
-            </a:r>
-          </a:p>
-          <a:p>
-            <a:r>
-              <a:rPr lang="en-US" dirty="0"/>
-              <a:t>Pooled voting over tracks with final model</a:t>
-            </a:r>
+            <a:pPr lvl="0"/>
+            <a:r>
+              <a:rPr lang="en-US" sz="2400" dirty="0"/>
+              <a:t>Work in progress</a:t>
+            </a:r>
+          </a:p>
+          <a:p>
+            <a:pPr lvl="0"/>
+            <a:r>
+              <a:rPr lang="en-US" sz="2400" dirty="0"/>
+              <a:t>General architecture</a:t>
+            </a:r>
+            <a:endParaRPr lang="en-US" sz="2000" dirty="0"/>
           </a:p>
           <a:p>
             <a:pPr lvl="1"/>
             <a:r>
-              <a:rPr lang="en-US" dirty="0"/>
-              <a:t>Subsample 30 second segments of test tracks and classify each. </a:t>
+              <a:rPr lang="en-US" sz="1900" dirty="0"/>
+              <a:t>Input: 30 seconds, sampled 10 times per second, for a sequence of length 300</a:t>
             </a:r>
           </a:p>
           <a:p>
             <a:pPr lvl="1"/>
             <a:r>
-              <a:rPr lang="en-US" dirty="0"/>
-              <a:t>Add </a:t>
-            </a:r>
-            <a:r>
-              <a:rPr lang="en-US" dirty="0" err="1"/>
-              <a:t>softmax</a:t>
-            </a:r>
-            <a:r>
-              <a:rPr lang="en-US" dirty="0"/>
-              <a:t> over all subsamples</a:t>
+              <a:rPr lang="en-US" sz="1900" dirty="0"/>
+              <a:t>LSTM 1: Vanilla</a:t>
             </a:r>
           </a:p>
           <a:p>
             <a:pPr lvl="1"/>
             <a:r>
-              <a:rPr lang="en-US" dirty="0"/>
-              <a:t>Prediction = argmax over added </a:t>
-            </a:r>
-            <a:r>
-              <a:rPr lang="en-US" dirty="0" err="1"/>
-              <a:t>softmax</a:t>
-            </a:r>
-            <a:r>
-              <a:rPr lang="en-US" dirty="0"/>
-              <a:t> output</a:t>
-            </a:r>
-          </a:p>
-          <a:p>
-            <a:endParaRPr lang="en-US" dirty="0"/>
-          </a:p>
-        </p:txBody>
-      </p:sp>
+              <a:rPr lang="en-US" sz="1900" dirty="0"/>
+              <a:t>LSTM 2: Input Dropout: .5, Process sequence backwards</a:t>
+            </a:r>
+          </a:p>
+          <a:p>
+            <a:pPr lvl="1"/>
+            <a:r>
+              <a:rPr lang="en-US" sz="1900" dirty="0"/>
+              <a:t>LSTM 3: Input Dropout: .5</a:t>
+            </a:r>
+          </a:p>
+          <a:p>
+            <a:pPr lvl="1"/>
+            <a:r>
+              <a:rPr lang="en-US" sz="1900" dirty="0"/>
+              <a:t>Dropout: Drop prob = .5</a:t>
+            </a:r>
+          </a:p>
+        </p:txBody>
+      </p:sp>
+      <p:pic>
+        <p:nvPicPr>
+          <p:cNvPr id="9" name="Picture 8" descr="A screenshot of a cell phone&#10;&#10;Description automatically generated">
+            <a:extLst>
+              <a:ext uri="{FF2B5EF4-FFF2-40B4-BE49-F238E27FC236}">
+                <a16:creationId xmlns:a16="http://schemas.microsoft.com/office/drawing/2014/main" id="{57C9F192-C964-4A55-9FDA-0FAE11FDF9AD}"/>
+              </a:ext>
+            </a:extLst>
+          </p:cNvPr>
+          <p:cNvPicPr>
+            <a:picLocks noChangeAspect="1"/>
+          </p:cNvPicPr>
+          <p:nvPr/>
+        </p:nvPicPr>
+        <p:blipFill>
+          <a:blip r:embed="rId2">
+            <a:extLst>
+              <a:ext uri="{28A0092B-C50C-407E-A947-70E740481C1C}">
+                <a14:useLocalDpi xmlns:a14="http://schemas.microsoft.com/office/drawing/2010/main" val="0"/>
+              </a:ext>
+            </a:extLst>
+          </a:blip>
+          <a:stretch>
+            <a:fillRect/>
+          </a:stretch>
+        </p:blipFill>
+        <p:spPr>
+          <a:xfrm>
+            <a:off x="7657584" y="2260295"/>
+            <a:ext cx="3696216" cy="3829584"/>
+          </a:xfrm>
+          <a:prstGeom prst="rect">
+            <a:avLst/>
+          </a:prstGeom>
+        </p:spPr>
+      </p:pic>
     </p:spTree>
     <p:extLst>
       <p:ext uri="{BB962C8B-B14F-4D97-AF65-F5344CB8AC3E}">
-        <p14:creationId xmlns:p14="http://schemas.microsoft.com/office/powerpoint/2010/main" val="2047287523"/>
+        <p14:creationId xmlns:p14="http://schemas.microsoft.com/office/powerpoint/2010/main" val="218245205"/>
       </p:ext>
     </p:extLst>
   </p:cSld>
@@ -5093,7 +5213,7 @@
           <p:cNvPr id="2" name="Title 1">
             <a:extLst>
               <a:ext uri="{FF2B5EF4-FFF2-40B4-BE49-F238E27FC236}">
-                <a16:creationId xmlns:a16="http://schemas.microsoft.com/office/drawing/2014/main" id="{6F88DA84-D437-4810-B76C-7A246859771F}"/>
+                <a16:creationId xmlns:a16="http://schemas.microsoft.com/office/drawing/2014/main" id="{CD60E025-F358-422D-8034-4CB385E7F9B1}"/>
               </a:ext>
             </a:extLst>
           </p:cNvPr>
@@ -5113,7 +5233,7 @@
           <a:p>
             <a:r>
               <a:rPr lang="en-US" sz="3200" dirty="0"/>
-              <a:t>Loss in the current training</a:t>
+              <a:t>Evaluation</a:t>
             </a:r>
           </a:p>
         </p:txBody>
@@ -5123,7 +5243,7 @@
           <p:cNvPr id="3" name="Content Placeholder 2">
             <a:extLst>
               <a:ext uri="{FF2B5EF4-FFF2-40B4-BE49-F238E27FC236}">
-                <a16:creationId xmlns:a16="http://schemas.microsoft.com/office/drawing/2014/main" id="{C40DAD32-F261-4EE7-B385-81374573E271}"/>
+                <a16:creationId xmlns:a16="http://schemas.microsoft.com/office/drawing/2014/main" id="{DF5696C8-465C-4E41-A286-0B82B8E18CA8}"/>
               </a:ext>
             </a:extLst>
           </p:cNvPr>
@@ -5134,47 +5254,75 @@
             <p:ph idx="1"/>
           </p:nvPr>
         </p:nvSpPr>
-        <p:spPr/>
-        <p:txBody>
-          <a:bodyPr/>
-          <a:lstStyle/>
-          <a:p>
-            <a:endParaRPr lang="en-US"/>
-          </a:p>
-        </p:txBody>
-      </p:sp>
-      <p:pic>
-        <p:nvPicPr>
-          <p:cNvPr id="4" name="Picture 3">
-            <a:extLst>
-              <a:ext uri="{FF2B5EF4-FFF2-40B4-BE49-F238E27FC236}">
-                <a16:creationId xmlns:a16="http://schemas.microsoft.com/office/drawing/2014/main" id="{93E17021-3DD3-4B43-88BF-C3FF2BB106E5}"/>
-              </a:ext>
-            </a:extLst>
-          </p:cNvPr>
-          <p:cNvPicPr/>
-          <p:nvPr/>
-        </p:nvPicPr>
-        <p:blipFill>
-          <a:blip r:embed="rId2"/>
-          <a:stretch>
-            <a:fillRect/>
-          </a:stretch>
-        </p:blipFill>
         <p:spPr>
           <a:xfrm>
-            <a:off x="985723" y="2516595"/>
-            <a:ext cx="10220553" cy="2969397"/>
+            <a:off x="838198" y="1825625"/>
+            <a:ext cx="10947401" cy="4351338"/>
           </a:xfrm>
-          <a:prstGeom prst="rect">
-            <a:avLst/>
-          </a:prstGeom>
         </p:spPr>
-      </p:pic>
+        <p:txBody>
+          <a:bodyPr>
+            <a:normAutofit/>
+          </a:bodyPr>
+          <a:lstStyle/>
+          <a:p>
+            <a:r>
+              <a:rPr lang="en-US" dirty="0"/>
+              <a:t>Validation accuracy across 12 categories</a:t>
+            </a:r>
+          </a:p>
+          <a:p>
+            <a:r>
+              <a:rPr lang="en-US" dirty="0"/>
+              <a:t>Pooled voting over tracks with final model</a:t>
+            </a:r>
+          </a:p>
+          <a:p>
+            <a:pPr lvl="1"/>
+            <a:r>
+              <a:rPr lang="en-US" dirty="0"/>
+              <a:t>Subsample 30 second segments of test tracks and classify each. </a:t>
+            </a:r>
+          </a:p>
+          <a:p>
+            <a:pPr lvl="1"/>
+            <a:r>
+              <a:rPr lang="en-US" dirty="0"/>
+              <a:t>Add </a:t>
+            </a:r>
+            <a:r>
+              <a:rPr lang="en-US" dirty="0" err="1"/>
+              <a:t>softmax</a:t>
+            </a:r>
+            <a:r>
+              <a:rPr lang="en-US" dirty="0"/>
+              <a:t> over all subsamples</a:t>
+            </a:r>
+          </a:p>
+          <a:p>
+            <a:pPr lvl="1"/>
+            <a:r>
+              <a:rPr lang="en-US" dirty="0"/>
+              <a:t>Prediction = argmax over added </a:t>
+            </a:r>
+            <a:r>
+              <a:rPr lang="en-US" dirty="0" err="1"/>
+              <a:t>softmax</a:t>
+            </a:r>
+            <a:r>
+              <a:rPr lang="en-US" dirty="0"/>
+              <a:t> output</a:t>
+            </a:r>
+          </a:p>
+          <a:p>
+            <a:endParaRPr lang="en-US" dirty="0"/>
+          </a:p>
+        </p:txBody>
+      </p:sp>
     </p:spTree>
     <p:extLst>
       <p:ext uri="{BB962C8B-B14F-4D97-AF65-F5344CB8AC3E}">
-        <p14:creationId xmlns:p14="http://schemas.microsoft.com/office/powerpoint/2010/main" val="3293679851"/>
+        <p14:creationId xmlns:p14="http://schemas.microsoft.com/office/powerpoint/2010/main" val="2047287523"/>
       </p:ext>
     </p:extLst>
   </p:cSld>
@@ -5226,7 +5374,7 @@
           <a:p>
             <a:r>
               <a:rPr lang="en-US" sz="3200" dirty="0"/>
-              <a:t>Accuracy in the current training</a:t>
+              <a:t>Loss in the current training</a:t>
             </a:r>
           </a:p>
         </p:txBody>
@@ -5258,10 +5406,10 @@
       </p:sp>
       <p:pic>
         <p:nvPicPr>
-          <p:cNvPr id="5" name="Picture 4">
-            <a:extLst>
-              <a:ext uri="{FF2B5EF4-FFF2-40B4-BE49-F238E27FC236}">
-                <a16:creationId xmlns:a16="http://schemas.microsoft.com/office/drawing/2014/main" id="{2881BF97-8627-4A42-AB15-754A970FB4EF}"/>
+          <p:cNvPr id="4" name="Picture 3">
+            <a:extLst>
+              <a:ext uri="{FF2B5EF4-FFF2-40B4-BE49-F238E27FC236}">
+                <a16:creationId xmlns:a16="http://schemas.microsoft.com/office/drawing/2014/main" id="{93E17021-3DD3-4B43-88BF-C3FF2BB106E5}"/>
               </a:ext>
             </a:extLst>
           </p:cNvPr>
@@ -5276,8 +5424,8 @@
         </p:blipFill>
         <p:spPr>
           <a:xfrm>
-            <a:off x="838200" y="2082959"/>
-            <a:ext cx="10515600" cy="3867898"/>
+            <a:off x="985723" y="2516595"/>
+            <a:ext cx="10220553" cy="2969397"/>
           </a:xfrm>
           <a:prstGeom prst="rect">
             <a:avLst/>
@@ -5287,7 +5435,7 @@
     </p:spTree>
     <p:extLst>
       <p:ext uri="{BB962C8B-B14F-4D97-AF65-F5344CB8AC3E}">
-        <p14:creationId xmlns:p14="http://schemas.microsoft.com/office/powerpoint/2010/main" val="135178148"/>
+        <p14:creationId xmlns:p14="http://schemas.microsoft.com/office/powerpoint/2010/main" val="3293679851"/>
       </p:ext>
     </p:extLst>
   </p:cSld>

--- a/Presentation-1-.pptx
+++ b/Presentation-1-.pptx
@@ -5,7 +5,7 @@
     <p:sldMasterId id="2147483648" r:id="rId1"/>
   </p:sldMasterIdLst>
   <p:notesMasterIdLst>
-    <p:notesMasterId r:id="rId13"/>
+    <p:notesMasterId r:id="rId11"/>
   </p:notesMasterIdLst>
   <p:sldIdLst>
     <p:sldId id="256" r:id="rId2"/>
@@ -14,11 +14,9 @@
     <p:sldId id="260" r:id="rId5"/>
     <p:sldId id="267" r:id="rId6"/>
     <p:sldId id="262" r:id="rId7"/>
-    <p:sldId id="264" r:id="rId8"/>
-    <p:sldId id="263" r:id="rId9"/>
-    <p:sldId id="265" r:id="rId10"/>
-    <p:sldId id="266" r:id="rId11"/>
-    <p:sldId id="259" r:id="rId12"/>
+    <p:sldId id="263" r:id="rId8"/>
+    <p:sldId id="264" r:id="rId9"/>
+    <p:sldId id="259" r:id="rId10"/>
   </p:sldIdLst>
   <p:sldSz cx="12192000" cy="6858000"/>
   <p:notesSz cx="6858000" cy="9144000"/>
@@ -207,7 +205,7 @@
           <a:p>
             <a:fld id="{FFFF5B8F-4FE6-4690-BE1B-05A5B33D48BC}" type="datetimeFigureOut">
               <a:rPr lang="en-US" smtClean="0"/>
-              <a:t>3/29/2020</a:t>
+              <a:t>3/30/2020</a:t>
             </a:fld>
             <a:endParaRPr lang="en-US"/>
           </a:p>
@@ -621,7 +619,7 @@
           <a:p>
             <a:fld id="{A4344EFD-12B5-4BBF-8A76-71167B4427E6}" type="datetimeFigureOut">
               <a:rPr lang="en-US" smtClean="0"/>
-              <a:t>3/29/2020</a:t>
+              <a:t>3/30/2020</a:t>
             </a:fld>
             <a:endParaRPr lang="en-US"/>
           </a:p>
@@ -819,7 +817,7 @@
           <a:p>
             <a:fld id="{A4344EFD-12B5-4BBF-8A76-71167B4427E6}" type="datetimeFigureOut">
               <a:rPr lang="en-US" smtClean="0"/>
-              <a:t>3/29/2020</a:t>
+              <a:t>3/30/2020</a:t>
             </a:fld>
             <a:endParaRPr lang="en-US"/>
           </a:p>
@@ -1027,7 +1025,7 @@
           <a:p>
             <a:fld id="{A4344EFD-12B5-4BBF-8A76-71167B4427E6}" type="datetimeFigureOut">
               <a:rPr lang="en-US" smtClean="0"/>
-              <a:t>3/29/2020</a:t>
+              <a:t>3/30/2020</a:t>
             </a:fld>
             <a:endParaRPr lang="en-US"/>
           </a:p>
@@ -1225,7 +1223,7 @@
           <a:p>
             <a:fld id="{A4344EFD-12B5-4BBF-8A76-71167B4427E6}" type="datetimeFigureOut">
               <a:rPr lang="en-US" smtClean="0"/>
-              <a:t>3/29/2020</a:t>
+              <a:t>3/30/2020</a:t>
             </a:fld>
             <a:endParaRPr lang="en-US"/>
           </a:p>
@@ -1500,7 +1498,7 @@
           <a:p>
             <a:fld id="{A4344EFD-12B5-4BBF-8A76-71167B4427E6}" type="datetimeFigureOut">
               <a:rPr lang="en-US" smtClean="0"/>
-              <a:t>3/29/2020</a:t>
+              <a:t>3/30/2020</a:t>
             </a:fld>
             <a:endParaRPr lang="en-US"/>
           </a:p>
@@ -1765,7 +1763,7 @@
           <a:p>
             <a:fld id="{A4344EFD-12B5-4BBF-8A76-71167B4427E6}" type="datetimeFigureOut">
               <a:rPr lang="en-US" smtClean="0"/>
-              <a:t>3/29/2020</a:t>
+              <a:t>3/30/2020</a:t>
             </a:fld>
             <a:endParaRPr lang="en-US"/>
           </a:p>
@@ -2177,7 +2175,7 @@
           <a:p>
             <a:fld id="{A4344EFD-12B5-4BBF-8A76-71167B4427E6}" type="datetimeFigureOut">
               <a:rPr lang="en-US" smtClean="0"/>
-              <a:t>3/29/2020</a:t>
+              <a:t>3/30/2020</a:t>
             </a:fld>
             <a:endParaRPr lang="en-US"/>
           </a:p>
@@ -2318,7 +2316,7 @@
           <a:p>
             <a:fld id="{A4344EFD-12B5-4BBF-8A76-71167B4427E6}" type="datetimeFigureOut">
               <a:rPr lang="en-US" smtClean="0"/>
-              <a:t>3/29/2020</a:t>
+              <a:t>3/30/2020</a:t>
             </a:fld>
             <a:endParaRPr lang="en-US"/>
           </a:p>
@@ -2431,7 +2429,7 @@
           <a:p>
             <a:fld id="{A4344EFD-12B5-4BBF-8A76-71167B4427E6}" type="datetimeFigureOut">
               <a:rPr lang="en-US" smtClean="0"/>
-              <a:t>3/29/2020</a:t>
+              <a:t>3/30/2020</a:t>
             </a:fld>
             <a:endParaRPr lang="en-US"/>
           </a:p>
@@ -2742,7 +2740,7 @@
           <a:p>
             <a:fld id="{A4344EFD-12B5-4BBF-8A76-71167B4427E6}" type="datetimeFigureOut">
               <a:rPr lang="en-US" smtClean="0"/>
-              <a:t>3/29/2020</a:t>
+              <a:t>3/30/2020</a:t>
             </a:fld>
             <a:endParaRPr lang="en-US"/>
           </a:p>
@@ -3030,7 +3028,7 @@
           <a:p>
             <a:fld id="{A4344EFD-12B5-4BBF-8A76-71167B4427E6}" type="datetimeFigureOut">
               <a:rPr lang="en-US" smtClean="0"/>
-              <a:t>3/29/2020</a:t>
+              <a:t>3/30/2020</a:t>
             </a:fld>
             <a:endParaRPr lang="en-US"/>
           </a:p>
@@ -3271,7 +3269,7 @@
           <a:p>
             <a:fld id="{A4344EFD-12B5-4BBF-8A76-71167B4427E6}" type="datetimeFigureOut">
               <a:rPr lang="en-US" smtClean="0"/>
-              <a:t>3/29/2020</a:t>
+              <a:t>3/30/2020</a:t>
             </a:fld>
             <a:endParaRPr lang="en-US"/>
           </a:p>
@@ -4039,230 +4037,6 @@
 </p:sld>
 </file>
 
-<file path=ppt/slides/slide10.xml><?xml version="1.0" encoding="utf-8"?>
-<p:sld xmlns:a="http://schemas.openxmlformats.org/drawingml/2006/main" xmlns:r="http://schemas.openxmlformats.org/officeDocument/2006/relationships" xmlns:p="http://schemas.openxmlformats.org/presentationml/2006/main">
-  <p:cSld>
-    <p:spTree>
-      <p:nvGrpSpPr>
-        <p:cNvPr id="1" name=""/>
-        <p:cNvGrpSpPr/>
-        <p:nvPr/>
-      </p:nvGrpSpPr>
-      <p:grpSpPr>
-        <a:xfrm>
-          <a:off x="0" y="0"/>
-          <a:ext cx="0" cy="0"/>
-          <a:chOff x="0" y="0"/>
-          <a:chExt cx="0" cy="0"/>
-        </a:xfrm>
-      </p:grpSpPr>
-      <p:sp>
-        <p:nvSpPr>
-          <p:cNvPr id="2" name="Title 1">
-            <a:extLst>
-              <a:ext uri="{FF2B5EF4-FFF2-40B4-BE49-F238E27FC236}">
-                <a16:creationId xmlns:a16="http://schemas.microsoft.com/office/drawing/2014/main" id="{6F88DA84-D437-4810-B76C-7A246859771F}"/>
-              </a:ext>
-            </a:extLst>
-          </p:cNvPr>
-          <p:cNvSpPr>
-            <a:spLocks noGrp="1"/>
-          </p:cNvSpPr>
-          <p:nvPr>
-            <p:ph type="title"/>
-          </p:nvPr>
-        </p:nvSpPr>
-        <p:spPr/>
-        <p:txBody>
-          <a:bodyPr>
-            <a:normAutofit/>
-          </a:bodyPr>
-          <a:lstStyle/>
-          <a:p>
-            <a:r>
-              <a:rPr lang="en-US" sz="3200" dirty="0"/>
-              <a:t>Accuracy in the current training</a:t>
-            </a:r>
-          </a:p>
-        </p:txBody>
-      </p:sp>
-      <p:sp>
-        <p:nvSpPr>
-          <p:cNvPr id="3" name="Content Placeholder 2">
-            <a:extLst>
-              <a:ext uri="{FF2B5EF4-FFF2-40B4-BE49-F238E27FC236}">
-                <a16:creationId xmlns:a16="http://schemas.microsoft.com/office/drawing/2014/main" id="{C40DAD32-F261-4EE7-B385-81374573E271}"/>
-              </a:ext>
-            </a:extLst>
-          </p:cNvPr>
-          <p:cNvSpPr>
-            <a:spLocks noGrp="1"/>
-          </p:cNvSpPr>
-          <p:nvPr>
-            <p:ph idx="1"/>
-          </p:nvPr>
-        </p:nvSpPr>
-        <p:spPr/>
-        <p:txBody>
-          <a:bodyPr/>
-          <a:lstStyle/>
-          <a:p>
-            <a:endParaRPr lang="en-US"/>
-          </a:p>
-        </p:txBody>
-      </p:sp>
-      <p:pic>
-        <p:nvPicPr>
-          <p:cNvPr id="5" name="Picture 4">
-            <a:extLst>
-              <a:ext uri="{FF2B5EF4-FFF2-40B4-BE49-F238E27FC236}">
-                <a16:creationId xmlns:a16="http://schemas.microsoft.com/office/drawing/2014/main" id="{2881BF97-8627-4A42-AB15-754A970FB4EF}"/>
-              </a:ext>
-            </a:extLst>
-          </p:cNvPr>
-          <p:cNvPicPr/>
-          <p:nvPr/>
-        </p:nvPicPr>
-        <p:blipFill>
-          <a:blip r:embed="rId2"/>
-          <a:stretch>
-            <a:fillRect/>
-          </a:stretch>
-        </p:blipFill>
-        <p:spPr>
-          <a:xfrm>
-            <a:off x="838200" y="2082959"/>
-            <a:ext cx="10515600" cy="3867898"/>
-          </a:xfrm>
-          <a:prstGeom prst="rect">
-            <a:avLst/>
-          </a:prstGeom>
-        </p:spPr>
-      </p:pic>
-    </p:spTree>
-    <p:extLst>
-      <p:ext uri="{BB962C8B-B14F-4D97-AF65-F5344CB8AC3E}">
-        <p14:creationId xmlns:p14="http://schemas.microsoft.com/office/powerpoint/2010/main" val="135178148"/>
-      </p:ext>
-    </p:extLst>
-  </p:cSld>
-  <p:clrMapOvr>
-    <a:masterClrMapping/>
-  </p:clrMapOvr>
-</p:sld>
-</file>
-
-<file path=ppt/slides/slide11.xml><?xml version="1.0" encoding="utf-8"?>
-<p:sld xmlns:a="http://schemas.openxmlformats.org/drawingml/2006/main" xmlns:r="http://schemas.openxmlformats.org/officeDocument/2006/relationships" xmlns:p="http://schemas.openxmlformats.org/presentationml/2006/main">
-  <p:cSld>
-    <p:spTree>
-      <p:nvGrpSpPr>
-        <p:cNvPr id="1" name=""/>
-        <p:cNvGrpSpPr/>
-        <p:nvPr/>
-      </p:nvGrpSpPr>
-      <p:grpSpPr>
-        <a:xfrm>
-          <a:off x="0" y="0"/>
-          <a:ext cx="0" cy="0"/>
-          <a:chOff x="0" y="0"/>
-          <a:chExt cx="0" cy="0"/>
-        </a:xfrm>
-      </p:grpSpPr>
-      <p:sp>
-        <p:nvSpPr>
-          <p:cNvPr id="2" name="Title 1">
-            <a:extLst>
-              <a:ext uri="{FF2B5EF4-FFF2-40B4-BE49-F238E27FC236}">
-                <a16:creationId xmlns:a16="http://schemas.microsoft.com/office/drawing/2014/main" id="{E3600C0E-E5F8-481A-9C9D-7054F4EF8022}"/>
-              </a:ext>
-            </a:extLst>
-          </p:cNvPr>
-          <p:cNvSpPr>
-            <a:spLocks noGrp="1"/>
-          </p:cNvSpPr>
-          <p:nvPr>
-            <p:ph type="title"/>
-          </p:nvPr>
-        </p:nvSpPr>
-        <p:spPr/>
-        <p:txBody>
-          <a:bodyPr/>
-          <a:lstStyle/>
-          <a:p>
-            <a:r>
-              <a:rPr lang="en-US" dirty="0"/>
-              <a:t>Appendix</a:t>
-            </a:r>
-          </a:p>
-        </p:txBody>
-      </p:sp>
-      <p:sp>
-        <p:nvSpPr>
-          <p:cNvPr id="3" name="Content Placeholder 2">
-            <a:extLst>
-              <a:ext uri="{FF2B5EF4-FFF2-40B4-BE49-F238E27FC236}">
-                <a16:creationId xmlns:a16="http://schemas.microsoft.com/office/drawing/2014/main" id="{158E64B0-535C-4225-999A-02FD3D812737}"/>
-              </a:ext>
-            </a:extLst>
-          </p:cNvPr>
-          <p:cNvSpPr>
-            <a:spLocks noGrp="1"/>
-          </p:cNvSpPr>
-          <p:nvPr>
-            <p:ph idx="1"/>
-          </p:nvPr>
-        </p:nvSpPr>
-        <p:spPr/>
-        <p:txBody>
-          <a:bodyPr>
-            <a:normAutofit/>
-          </a:bodyPr>
-          <a:lstStyle/>
-          <a:p>
-            <a:r>
-              <a:rPr lang="en-US" sz="2000" dirty="0"/>
-              <a:t>“Timbre is the quality of a musical note or sound that distinguishes different types of musical instruments, or voices. …The first dimension represents the average loudness of the segment; second emphasizes brightness; third is more closely correlated to the flatness of a sound; fourth to sounds with a stronger attack; etc.” </a:t>
-            </a:r>
-            <a:r>
-              <a:rPr lang="en-US" sz="2000" dirty="0">
-                <a:hlinkClick r:id="rId2"/>
-              </a:rPr>
-              <a:t>https://developer.spotify.com/documentation/web-api/reference/tracks/get-audio-analysis/</a:t>
-            </a:r>
-            <a:endParaRPr lang="en-US" sz="2000" dirty="0"/>
-          </a:p>
-          <a:p>
-            <a:r>
-              <a:rPr lang="en-US" sz="2000" dirty="0"/>
-              <a:t>Pitch: Represented by a vector of 12. It represents the dominance of 12 pitches in </a:t>
-            </a:r>
-            <a:r>
-              <a:rPr lang="en-US" sz="2000" dirty="0">
-                <a:hlinkClick r:id="rId3"/>
-              </a:rPr>
-              <a:t>Chromatic Scale</a:t>
-            </a:r>
-            <a:r>
-              <a:rPr lang="en-US" sz="2000" dirty="0"/>
-              <a:t> in the segment.</a:t>
-            </a:r>
-          </a:p>
-        </p:txBody>
-      </p:sp>
-    </p:spTree>
-    <p:extLst>
-      <p:ext uri="{BB962C8B-B14F-4D97-AF65-F5344CB8AC3E}">
-        <p14:creationId xmlns:p14="http://schemas.microsoft.com/office/powerpoint/2010/main" val="587890131"/>
-      </p:ext>
-    </p:extLst>
-  </p:cSld>
-  <p:clrMapOvr>
-    <a:masterClrMapping/>
-  </p:clrMapOvr>
-</p:sld>
-</file>
-
 <file path=ppt/slides/slide2.xml><?xml version="1.0" encoding="utf-8"?>
 <p:sld xmlns:a="http://schemas.openxmlformats.org/drawingml/2006/main" xmlns:r="http://schemas.openxmlformats.org/officeDocument/2006/relationships" xmlns:p="http://schemas.openxmlformats.org/presentationml/2006/main">
   <p:cSld>
@@ -4467,10 +4241,9 @@
           <a:lstStyle/>
           <a:p>
             <a:r>
-              <a:rPr lang="en-US" sz="3600"/>
+              <a:rPr lang="en-US" sz="3600" dirty="0"/>
               <a:t>Dataset</a:t>
             </a:r>
-            <a:endParaRPr lang="en-US" sz="3600" dirty="0"/>
           </a:p>
         </p:txBody>
       </p:sp>
@@ -4993,7 +4766,7 @@
           <a:p>
             <a:r>
               <a:rPr lang="en-US" sz="2400" dirty="0"/>
-              <a:t>Half learning rate and resample every 25 epochs</a:t>
+              <a:t>Half learning rate and resample every 10 epochs</a:t>
             </a:r>
           </a:p>
         </p:txBody>
@@ -5044,12 +4817,7 @@
             <p:ph type="title"/>
           </p:nvPr>
         </p:nvSpPr>
-        <p:spPr>
-          <a:xfrm>
-            <a:off x="838200" y="365125"/>
-            <a:ext cx="10515600" cy="1325563"/>
-          </a:xfrm>
-        </p:spPr>
+        <p:spPr/>
         <p:txBody>
           <a:bodyPr>
             <a:normAutofit/>
@@ -5057,8 +4825,8 @@
           <a:lstStyle/>
           <a:p>
             <a:r>
-              <a:rPr lang="en-US" sz="3600" dirty="0"/>
-              <a:t>Architecture</a:t>
+              <a:rPr lang="en-US" sz="3200" dirty="0"/>
+              <a:t>Evaluation</a:t>
             </a:r>
           </a:p>
         </p:txBody>
@@ -5081,8 +4849,8 @@
         </p:nvSpPr>
         <p:spPr>
           <a:xfrm>
-            <a:off x="838199" y="1825625"/>
-            <a:ext cx="6725576" cy="4351338"/>
+            <a:off x="838198" y="1825625"/>
+            <a:ext cx="10947401" cy="4351338"/>
           </a:xfrm>
         </p:spPr>
         <p:txBody>
@@ -5091,97 +4859,63 @@
           </a:bodyPr>
           <a:lstStyle/>
           <a:p>
-            <a:pPr lvl="0"/>
-            <a:r>
-              <a:rPr lang="en-US" sz="2400" dirty="0"/>
-              <a:t>Work in progress</a:t>
-            </a:r>
-          </a:p>
-          <a:p>
-            <a:pPr lvl="0"/>
-            <a:r>
-              <a:rPr lang="en-US" sz="2400" dirty="0"/>
-              <a:t>General architecture</a:t>
-            </a:r>
-            <a:endParaRPr lang="en-US" sz="2000" dirty="0"/>
+            <a:r>
+              <a:rPr lang="en-US" dirty="0"/>
+              <a:t>Validation accuracy across 12 categories</a:t>
+            </a:r>
+          </a:p>
+          <a:p>
+            <a:r>
+              <a:rPr lang="en-US" dirty="0"/>
+              <a:t>Pooled voting over tracks with final model</a:t>
+            </a:r>
           </a:p>
           <a:p>
             <a:pPr lvl="1"/>
             <a:r>
-              <a:rPr lang="en-US" sz="1900" dirty="0"/>
-              <a:t>Input: 30 seconds, sampled 10 times per second, for a sequence of length 300</a:t>
+              <a:rPr lang="en-US" dirty="0"/>
+              <a:t>Subsample 30 second segments of test tracks and classify each. </a:t>
             </a:r>
           </a:p>
           <a:p>
             <a:pPr lvl="1"/>
             <a:r>
-              <a:rPr lang="en-US" sz="1900" dirty="0"/>
-              <a:t>LSTM 1: Vanilla</a:t>
+              <a:rPr lang="en-US" dirty="0"/>
+              <a:t>Add </a:t>
+            </a:r>
+            <a:r>
+              <a:rPr lang="en-US" dirty="0" err="1"/>
+              <a:t>softmax</a:t>
+            </a:r>
+            <a:r>
+              <a:rPr lang="en-US" dirty="0"/>
+              <a:t> over all subsamples</a:t>
             </a:r>
           </a:p>
           <a:p>
             <a:pPr lvl="1"/>
             <a:r>
-              <a:rPr lang="en-US" sz="1900" dirty="0"/>
-              <a:t>LSTM 2: Input Dropout: .5, Process sequence backwards</a:t>
-            </a:r>
-          </a:p>
-          <a:p>
-            <a:pPr lvl="1"/>
-            <a:r>
-              <a:rPr lang="en-US" sz="1900" dirty="0"/>
-              <a:t>LSTM 3: Input Dropout: .5</a:t>
-            </a:r>
-          </a:p>
-          <a:p>
-            <a:pPr lvl="1"/>
-            <a:r>
-              <a:rPr lang="en-US" sz="1900" dirty="0"/>
-              <a:t>Dropout: Drop prob = .5</a:t>
-            </a:r>
-          </a:p>
-        </p:txBody>
-      </p:sp>
-      <p:pic>
-        <p:nvPicPr>
-          <p:cNvPr id="9" name="Picture 8" descr="A screenshot of a cell phone&#10;&#10;Description automatically generated">
-            <a:extLst>
-              <a:ext uri="{FF2B5EF4-FFF2-40B4-BE49-F238E27FC236}">
-                <a16:creationId xmlns:a16="http://schemas.microsoft.com/office/drawing/2014/main" id="{57C9F192-C964-4A55-9FDA-0FAE11FDF9AD}"/>
-              </a:ext>
-            </a:extLst>
-          </p:cNvPr>
-          <p:cNvPicPr>
-            <a:picLocks noChangeAspect="1"/>
-          </p:cNvPicPr>
-          <p:nvPr/>
-        </p:nvPicPr>
-        <p:blipFill>
-          <a:blip r:embed="rId2">
-            <a:extLst>
-              <a:ext uri="{28A0092B-C50C-407E-A947-70E740481C1C}">
-                <a14:useLocalDpi xmlns:a14="http://schemas.microsoft.com/office/drawing/2010/main" val="0"/>
-              </a:ext>
-            </a:extLst>
-          </a:blip>
-          <a:stretch>
-            <a:fillRect/>
-          </a:stretch>
-        </p:blipFill>
-        <p:spPr>
-          <a:xfrm>
-            <a:off x="7657584" y="2260295"/>
-            <a:ext cx="3696216" cy="3829584"/>
-          </a:xfrm>
-          <a:prstGeom prst="rect">
-            <a:avLst/>
-          </a:prstGeom>
-        </p:spPr>
-      </p:pic>
+              <a:rPr lang="en-US" dirty="0"/>
+              <a:t>Prediction = argmax over added </a:t>
+            </a:r>
+            <a:r>
+              <a:rPr lang="en-US" dirty="0" err="1"/>
+              <a:t>softmax</a:t>
+            </a:r>
+            <a:r>
+              <a:rPr lang="en-US" dirty="0"/>
+              <a:t> output</a:t>
+            </a:r>
+          </a:p>
+          <a:p>
+            <a:endParaRPr lang="en-US" dirty="0"/>
+          </a:p>
+        </p:txBody>
+      </p:sp>
     </p:spTree>
     <p:extLst>
       <p:ext uri="{BB962C8B-B14F-4D97-AF65-F5344CB8AC3E}">
-        <p14:creationId xmlns:p14="http://schemas.microsoft.com/office/powerpoint/2010/main" val="218245205"/>
+        <p14:creationId xmlns:p14="http://schemas.microsoft.com/office/powerpoint/2010/main" val="2047287523"/>
       </p:ext>
     </p:extLst>
   </p:cSld>
@@ -5224,7 +4958,12 @@
             <p:ph type="title"/>
           </p:nvPr>
         </p:nvSpPr>
-        <p:spPr/>
+        <p:spPr>
+          <a:xfrm>
+            <a:off x="838200" y="365125"/>
+            <a:ext cx="10515600" cy="1325563"/>
+          </a:xfrm>
+        </p:spPr>
         <p:txBody>
           <a:bodyPr>
             <a:normAutofit/>
@@ -5232,8 +4971,8 @@
           <a:lstStyle/>
           <a:p>
             <a:r>
-              <a:rPr lang="en-US" sz="3200" dirty="0"/>
-              <a:t>Evaluation</a:t>
+              <a:rPr lang="en-US" sz="3600" dirty="0"/>
+              <a:t>Architecture</a:t>
             </a:r>
           </a:p>
         </p:txBody>
@@ -5256,8 +4995,8 @@
         </p:nvSpPr>
         <p:spPr>
           <a:xfrm>
-            <a:off x="838198" y="1825625"/>
-            <a:ext cx="10947401" cy="4351338"/>
+            <a:off x="838199" y="1825625"/>
+            <a:ext cx="6725576" cy="4351338"/>
           </a:xfrm>
         </p:spPr>
         <p:txBody>
@@ -5266,63 +5005,59 @@
           </a:bodyPr>
           <a:lstStyle/>
           <a:p>
-            <a:r>
-              <a:rPr lang="en-US" dirty="0"/>
-              <a:t>Validation accuracy across 12 categories</a:t>
-            </a:r>
-          </a:p>
-          <a:p>
-            <a:r>
-              <a:rPr lang="en-US" dirty="0"/>
-              <a:t>Pooled voting over tracks with final model</a:t>
+            <a:pPr lvl="0"/>
+            <a:r>
+              <a:rPr lang="en-US" sz="2400" dirty="0"/>
+              <a:t>Work in progress</a:t>
             </a:r>
           </a:p>
           <a:p>
             <a:pPr lvl="1"/>
-            <a:r>
-              <a:rPr lang="en-US" dirty="0"/>
-              <a:t>Subsample 30 second segments of test tracks and classify each. </a:t>
-            </a:r>
-          </a:p>
-          <a:p>
-            <a:pPr lvl="1"/>
-            <a:r>
-              <a:rPr lang="en-US" dirty="0"/>
-              <a:t>Add </a:t>
-            </a:r>
-            <a:r>
-              <a:rPr lang="en-US" dirty="0" err="1"/>
-              <a:t>softmax</a:t>
-            </a:r>
-            <a:r>
-              <a:rPr lang="en-US" dirty="0"/>
-              <a:t> over all subsamples</a:t>
-            </a:r>
-          </a:p>
-          <a:p>
-            <a:pPr lvl="1"/>
-            <a:r>
-              <a:rPr lang="en-US" dirty="0"/>
-              <a:t>Prediction = argmax over added </a:t>
-            </a:r>
-            <a:r>
-              <a:rPr lang="en-US" dirty="0" err="1"/>
-              <a:t>softmax</a:t>
-            </a:r>
-            <a:r>
-              <a:rPr lang="en-US" dirty="0"/>
-              <a:t> output</a:t>
-            </a:r>
-          </a:p>
-          <a:p>
-            <a:endParaRPr lang="en-US" dirty="0"/>
-          </a:p>
-        </p:txBody>
-      </p:sp>
+            <a:endParaRPr lang="en-US" sz="2000" dirty="0"/>
+          </a:p>
+          <a:p>
+            <a:pPr lvl="0"/>
+            <a:r>
+              <a:rPr lang="en-US" sz="2400" dirty="0"/>
+              <a:t>Let’s Talk!</a:t>
+            </a:r>
+          </a:p>
+        </p:txBody>
+      </p:sp>
+      <p:pic>
+        <p:nvPicPr>
+          <p:cNvPr id="5" name="Picture 4">
+            <a:extLst>
+              <a:ext uri="{FF2B5EF4-FFF2-40B4-BE49-F238E27FC236}">
+                <a16:creationId xmlns:a16="http://schemas.microsoft.com/office/drawing/2014/main" id="{4FD465AE-637D-4239-8E4E-15E03C0AF4E8}"/>
+              </a:ext>
+            </a:extLst>
+          </p:cNvPr>
+          <p:cNvPicPr>
+            <a:picLocks noChangeAspect="1"/>
+          </p:cNvPicPr>
+          <p:nvPr/>
+        </p:nvPicPr>
+        <p:blipFill>
+          <a:blip r:embed="rId2"/>
+          <a:stretch>
+            <a:fillRect/>
+          </a:stretch>
+        </p:blipFill>
+        <p:spPr>
+          <a:xfrm>
+            <a:off x="3676650" y="1952625"/>
+            <a:ext cx="8515350" cy="4905375"/>
+          </a:xfrm>
+          <a:prstGeom prst="rect">
+            <a:avLst/>
+          </a:prstGeom>
+        </p:spPr>
+      </p:pic>
     </p:spTree>
     <p:extLst>
       <p:ext uri="{BB962C8B-B14F-4D97-AF65-F5344CB8AC3E}">
-        <p14:creationId xmlns:p14="http://schemas.microsoft.com/office/powerpoint/2010/main" val="2047287523"/>
+        <p14:creationId xmlns:p14="http://schemas.microsoft.com/office/powerpoint/2010/main" val="218245205"/>
       </p:ext>
     </p:extLst>
   </p:cSld>
@@ -5354,7 +5089,7 @@
           <p:cNvPr id="2" name="Title 1">
             <a:extLst>
               <a:ext uri="{FF2B5EF4-FFF2-40B4-BE49-F238E27FC236}">
-                <a16:creationId xmlns:a16="http://schemas.microsoft.com/office/drawing/2014/main" id="{6F88DA84-D437-4810-B76C-7A246859771F}"/>
+                <a16:creationId xmlns:a16="http://schemas.microsoft.com/office/drawing/2014/main" id="{E3600C0E-E5F8-481A-9C9D-7054F4EF8022}"/>
               </a:ext>
             </a:extLst>
           </p:cNvPr>
@@ -5363,6 +5098,34 @@
           </p:cNvSpPr>
           <p:nvPr>
             <p:ph type="title"/>
+          </p:nvPr>
+        </p:nvSpPr>
+        <p:spPr/>
+        <p:txBody>
+          <a:bodyPr/>
+          <a:lstStyle/>
+          <a:p>
+            <a:r>
+              <a:rPr lang="en-US" dirty="0"/>
+              <a:t>Appendix</a:t>
+            </a:r>
+          </a:p>
+        </p:txBody>
+      </p:sp>
+      <p:sp>
+        <p:nvSpPr>
+          <p:cNvPr id="3" name="Content Placeholder 2">
+            <a:extLst>
+              <a:ext uri="{FF2B5EF4-FFF2-40B4-BE49-F238E27FC236}">
+                <a16:creationId xmlns:a16="http://schemas.microsoft.com/office/drawing/2014/main" id="{158E64B0-535C-4225-999A-02FD3D812737}"/>
+              </a:ext>
+            </a:extLst>
+          </p:cNvPr>
+          <p:cNvSpPr>
+            <a:spLocks noGrp="1"/>
+          </p:cNvSpPr>
+          <p:nvPr>
+            <p:ph idx="1"/>
           </p:nvPr>
         </p:nvSpPr>
         <p:spPr/>
@@ -5373,69 +5136,39 @@
           <a:lstStyle/>
           <a:p>
             <a:r>
-              <a:rPr lang="en-US" sz="3200" dirty="0"/>
-              <a:t>Loss in the current training</a:t>
-            </a:r>
-          </a:p>
-        </p:txBody>
-      </p:sp>
-      <p:sp>
-        <p:nvSpPr>
-          <p:cNvPr id="3" name="Content Placeholder 2">
-            <a:extLst>
-              <a:ext uri="{FF2B5EF4-FFF2-40B4-BE49-F238E27FC236}">
-                <a16:creationId xmlns:a16="http://schemas.microsoft.com/office/drawing/2014/main" id="{C40DAD32-F261-4EE7-B385-81374573E271}"/>
-              </a:ext>
-            </a:extLst>
-          </p:cNvPr>
-          <p:cNvSpPr>
-            <a:spLocks noGrp="1"/>
-          </p:cNvSpPr>
-          <p:nvPr>
-            <p:ph idx="1"/>
-          </p:nvPr>
-        </p:nvSpPr>
-        <p:spPr/>
-        <p:txBody>
-          <a:bodyPr/>
-          <a:lstStyle/>
-          <a:p>
-            <a:endParaRPr lang="en-US"/>
-          </a:p>
-        </p:txBody>
-      </p:sp>
-      <p:pic>
-        <p:nvPicPr>
-          <p:cNvPr id="4" name="Picture 3">
-            <a:extLst>
-              <a:ext uri="{FF2B5EF4-FFF2-40B4-BE49-F238E27FC236}">
-                <a16:creationId xmlns:a16="http://schemas.microsoft.com/office/drawing/2014/main" id="{93E17021-3DD3-4B43-88BF-C3FF2BB106E5}"/>
-              </a:ext>
-            </a:extLst>
-          </p:cNvPr>
-          <p:cNvPicPr/>
-          <p:nvPr/>
-        </p:nvPicPr>
-        <p:blipFill>
-          <a:blip r:embed="rId2"/>
-          <a:stretch>
-            <a:fillRect/>
-          </a:stretch>
-        </p:blipFill>
-        <p:spPr>
-          <a:xfrm>
-            <a:off x="985723" y="2516595"/>
-            <a:ext cx="10220553" cy="2969397"/>
-          </a:xfrm>
-          <a:prstGeom prst="rect">
-            <a:avLst/>
-          </a:prstGeom>
-        </p:spPr>
-      </p:pic>
+              <a:rPr lang="en-US" sz="2000" dirty="0"/>
+              <a:t>“Timbre is the quality of a musical note or sound that distinguishes different types of musical instruments, or voices. …The first dimension represents the average loudness of the segment; second emphasizes brightness; third is more closely correlated to the flatness of a sound; fourth to sounds with a stronger attack; etc.” </a:t>
+            </a:r>
+            <a:r>
+              <a:rPr lang="en-US" sz="2000" dirty="0">
+                <a:hlinkClick r:id="rId2"/>
+              </a:rPr>
+              <a:t>https://developer.spotify.com/documentation/web-api/reference/tracks/get-audio-analysis/</a:t>
+            </a:r>
+            <a:endParaRPr lang="en-US" sz="2000" dirty="0"/>
+          </a:p>
+          <a:p>
+            <a:r>
+              <a:rPr lang="en-US" sz="2000" dirty="0"/>
+              <a:t>Pitch: Represented by a vector of 12. It represents the dominance of 12 pitches in </a:t>
+            </a:r>
+            <a:r>
+              <a:rPr lang="en-US" sz="2000" dirty="0">
+                <a:hlinkClick r:id="rId3"/>
+              </a:rPr>
+              <a:t>Chromatic Scale</a:t>
+            </a:r>
+            <a:r>
+              <a:rPr lang="en-US" sz="2000" dirty="0"/>
+              <a:t> in the segment.</a:t>
+            </a:r>
+          </a:p>
+        </p:txBody>
+      </p:sp>
     </p:spTree>
     <p:extLst>
       <p:ext uri="{BB962C8B-B14F-4D97-AF65-F5344CB8AC3E}">
-        <p14:creationId xmlns:p14="http://schemas.microsoft.com/office/powerpoint/2010/main" val="3293679851"/>
+        <p14:creationId xmlns:p14="http://schemas.microsoft.com/office/powerpoint/2010/main" val="587890131"/>
       </p:ext>
     </p:extLst>
   </p:cSld>
